--- a/Prezentare Incremental DFS algorithms.pptx
+++ b/Prezentare Incremental DFS algorithms.pptx
@@ -3220,7 +3220,7 @@
           <a:p>
             <a:fld id="{2B85766F-5EC0-4797-B4D1-777FCB005B11}" type="datetimeFigureOut">
               <a:rPr lang="en-US" smtClean="0"/>
-              <a:t>09-Jan-24</a:t>
+              <a:t>11-Jan-24</a:t>
             </a:fld>
             <a:endParaRPr lang="en-US" dirty="0"/>
           </a:p>
@@ -3397,7 +3397,7 @@
           <a:p>
             <a:fld id="{B2B4B5EC-152C-4627-80C0-63B10D5574EF}" type="datetimeFigureOut">
               <a:rPr lang="en-US" smtClean="0"/>
-              <a:t>09-Jan-24</a:t>
+              <a:t>11-Jan-24</a:t>
             </a:fld>
             <a:endParaRPr lang="en-US" dirty="0"/>
           </a:p>
@@ -7946,7 +7946,7 @@
           <a:p>
             <a:fld id="{48A87A34-81AB-432B-8DAE-1953F412C126}" type="datetimeFigureOut">
               <a:rPr lang="en-US" smtClean="0"/>
-              <a:t>09-Jan-24</a:t>
+              <a:t>11-Jan-24</a:t>
             </a:fld>
             <a:endParaRPr lang="en-US" dirty="0"/>
           </a:p>
@@ -8212,7 +8212,7 @@
           <a:p>
             <a:fld id="{48A87A34-81AB-432B-8DAE-1953F412C126}" type="datetimeFigureOut">
               <a:rPr lang="en-US" smtClean="0"/>
-              <a:t>09-Jan-24</a:t>
+              <a:t>11-Jan-24</a:t>
             </a:fld>
             <a:endParaRPr lang="en-US" dirty="0"/>
           </a:p>
@@ -8408,7 +8408,7 @@
           <a:p>
             <a:fld id="{48A87A34-81AB-432B-8DAE-1953F412C126}" type="datetimeFigureOut">
               <a:rPr lang="en-US" smtClean="0"/>
-              <a:t>09-Jan-24</a:t>
+              <a:t>11-Jan-24</a:t>
             </a:fld>
             <a:endParaRPr lang="en-US" dirty="0"/>
           </a:p>
@@ -8671,7 +8671,7 @@
           <a:p>
             <a:fld id="{48A87A34-81AB-432B-8DAE-1953F412C126}" type="datetimeFigureOut">
               <a:rPr lang="en-US" smtClean="0"/>
-              <a:t>09-Jan-24</a:t>
+              <a:t>11-Jan-24</a:t>
             </a:fld>
             <a:endParaRPr lang="en-US" dirty="0"/>
           </a:p>
@@ -9105,7 +9105,7 @@
           <a:p>
             <a:fld id="{48A87A34-81AB-432B-8DAE-1953F412C126}" type="datetimeFigureOut">
               <a:rPr lang="en-US" smtClean="0"/>
-              <a:t>09-Jan-24</a:t>
+              <a:t>11-Jan-24</a:t>
             </a:fld>
             <a:endParaRPr lang="en-US" dirty="0"/>
           </a:p>
@@ -9651,7 +9651,7 @@
           <a:p>
             <a:fld id="{48A87A34-81AB-432B-8DAE-1953F412C126}" type="datetimeFigureOut">
               <a:rPr lang="en-US" smtClean="0"/>
-              <a:t>09-Jan-24</a:t>
+              <a:t>11-Jan-24</a:t>
             </a:fld>
             <a:endParaRPr lang="en-US" dirty="0"/>
           </a:p>
@@ -10368,7 +10368,7 @@
           <a:p>
             <a:fld id="{48A87A34-81AB-432B-8DAE-1953F412C126}" type="datetimeFigureOut">
               <a:rPr lang="en-US" smtClean="0"/>
-              <a:t>09-Jan-24</a:t>
+              <a:t>11-Jan-24</a:t>
             </a:fld>
             <a:endParaRPr lang="en-US" dirty="0"/>
           </a:p>
@@ -10538,7 +10538,7 @@
           <a:p>
             <a:fld id="{48A87A34-81AB-432B-8DAE-1953F412C126}" type="datetimeFigureOut">
               <a:rPr lang="en-US" smtClean="0"/>
-              <a:t>09-Jan-24</a:t>
+              <a:t>11-Jan-24</a:t>
             </a:fld>
             <a:endParaRPr lang="en-US" dirty="0"/>
           </a:p>
@@ -10718,7 +10718,7 @@
           <a:p>
             <a:fld id="{48A87A34-81AB-432B-8DAE-1953F412C126}" type="datetimeFigureOut">
               <a:rPr lang="en-US" smtClean="0"/>
-              <a:t>09-Jan-24</a:t>
+              <a:t>11-Jan-24</a:t>
             </a:fld>
             <a:endParaRPr lang="en-US" dirty="0"/>
           </a:p>
@@ -10888,7 +10888,7 @@
           <a:p>
             <a:fld id="{48A87A34-81AB-432B-8DAE-1953F412C126}" type="datetimeFigureOut">
               <a:rPr lang="en-US" smtClean="0"/>
-              <a:t>09-Jan-24</a:t>
+              <a:t>11-Jan-24</a:t>
             </a:fld>
             <a:endParaRPr lang="en-US" dirty="0"/>
           </a:p>
@@ -11138,7 +11138,7 @@
           <a:p>
             <a:fld id="{48A87A34-81AB-432B-8DAE-1953F412C126}" type="datetimeFigureOut">
               <a:rPr lang="en-US" smtClean="0"/>
-              <a:t>09-Jan-24</a:t>
+              <a:t>11-Jan-24</a:t>
             </a:fld>
             <a:endParaRPr lang="en-US" dirty="0"/>
           </a:p>
@@ -11370,7 +11370,7 @@
           <a:p>
             <a:fld id="{48A87A34-81AB-432B-8DAE-1953F412C126}" type="datetimeFigureOut">
               <a:rPr lang="en-US" smtClean="0"/>
-              <a:t>09-Jan-24</a:t>
+              <a:t>11-Jan-24</a:t>
             </a:fld>
             <a:endParaRPr lang="en-US" dirty="0"/>
           </a:p>
@@ -11751,7 +11751,7 @@
           <a:p>
             <a:fld id="{48A87A34-81AB-432B-8DAE-1953F412C126}" type="datetimeFigureOut">
               <a:rPr lang="en-US" smtClean="0"/>
-              <a:t>09-Jan-24</a:t>
+              <a:t>11-Jan-24</a:t>
             </a:fld>
             <a:endParaRPr lang="en-US" dirty="0"/>
           </a:p>
@@ -11869,7 +11869,7 @@
           <a:p>
             <a:fld id="{48A87A34-81AB-432B-8DAE-1953F412C126}" type="datetimeFigureOut">
               <a:rPr lang="en-US" smtClean="0"/>
-              <a:t>09-Jan-24</a:t>
+              <a:t>11-Jan-24</a:t>
             </a:fld>
             <a:endParaRPr lang="en-US" dirty="0"/>
           </a:p>
@@ -11964,7 +11964,7 @@
           <a:p>
             <a:fld id="{48A87A34-81AB-432B-8DAE-1953F412C126}" type="datetimeFigureOut">
               <a:rPr lang="en-US" smtClean="0"/>
-              <a:t>09-Jan-24</a:t>
+              <a:t>11-Jan-24</a:t>
             </a:fld>
             <a:endParaRPr lang="en-US" dirty="0"/>
           </a:p>
@@ -12213,7 +12213,7 @@
           <a:p>
             <a:fld id="{48A87A34-81AB-432B-8DAE-1953F412C126}" type="datetimeFigureOut">
               <a:rPr lang="en-US" smtClean="0"/>
-              <a:t>09-Jan-24</a:t>
+              <a:t>11-Jan-24</a:t>
             </a:fld>
             <a:endParaRPr lang="en-US" dirty="0"/>
           </a:p>
@@ -12492,7 +12492,7 @@
           <a:p>
             <a:fld id="{48A87A34-81AB-432B-8DAE-1953F412C126}" type="datetimeFigureOut">
               <a:rPr lang="en-US" smtClean="0"/>
-              <a:t>09-Jan-24</a:t>
+              <a:t>11-Jan-24</a:t>
             </a:fld>
             <a:endParaRPr lang="en-US" dirty="0"/>
           </a:p>
@@ -15560,7 +15560,7 @@
             <a:fld id="{48A87A34-81AB-432B-8DAE-1953F412C126}" type="datetimeFigureOut">
               <a:rPr lang="en-US" smtClean="0"/>
               <a:pPr/>
-              <a:t>09-Jan-24</a:t>
+              <a:t>11-Jan-24</a:t>
             </a:fld>
             <a:endParaRPr lang="en-US" dirty="0"/>
           </a:p>
@@ -16191,18 +16191,23 @@
             <p:ph idx="1"/>
           </p:nvPr>
         </p:nvSpPr>
-        <p:spPr/>
+        <p:spPr>
+          <a:xfrm>
+            <a:off x="1141412" y="2613471"/>
+            <a:ext cx="9905999" cy="3541714"/>
+          </a:xfrm>
+        </p:spPr>
         <p:txBody>
           <a:bodyPr>
             <a:normAutofit/>
           </a:bodyPr>
           <a:lstStyle/>
           <a:p>
-            <a:pPr marL="457200" lvl="1" indent="0" algn="just">
+            <a:pPr marL="0" indent="0" algn="just">
               <a:buNone/>
             </a:pPr>
             <a:r>
-              <a:rPr lang="ro-RO" sz="2400" dirty="0">
+              <a:rPr lang="ro-RO" dirty="0">
                 <a:latin typeface="Tahoma" panose="020B0604030504040204" pitchFamily="34" charset="0"/>
                 <a:ea typeface="Tahoma" panose="020B0604030504040204" pitchFamily="34" charset="0"/>
                 <a:cs typeface="Tahoma" panose="020B0604030504040204" pitchFamily="34" charset="0"/>
@@ -16210,7 +16215,7 @@
               <a:t>	</a:t>
             </a:r>
             <a:r>
-              <a:rPr lang="en-US" sz="2400" dirty="0" err="1">
+              <a:rPr lang="en-US" dirty="0" err="1">
                 <a:latin typeface="Tahoma" panose="020B0604030504040204" pitchFamily="34" charset="0"/>
                 <a:ea typeface="Tahoma" panose="020B0604030504040204" pitchFamily="34" charset="0"/>
                 <a:cs typeface="Tahoma" panose="020B0604030504040204" pitchFamily="34" charset="0"/>
@@ -16218,7 +16223,7 @@
               <a:t>Rezultatele</a:t>
             </a:r>
             <a:r>
-              <a:rPr lang="en-US" sz="2400" dirty="0">
+              <a:rPr lang="en-US" dirty="0">
                 <a:latin typeface="Tahoma" panose="020B0604030504040204" pitchFamily="34" charset="0"/>
                 <a:ea typeface="Tahoma" panose="020B0604030504040204" pitchFamily="34" charset="0"/>
                 <a:cs typeface="Tahoma" panose="020B0604030504040204" pitchFamily="34" charset="0"/>
@@ -16226,7 +16231,7 @@
               <a:t> </a:t>
             </a:r>
             <a:r>
-              <a:rPr lang="en-US" sz="2400" dirty="0" err="1">
+              <a:rPr lang="en-US" dirty="0" err="1">
                 <a:latin typeface="Tahoma" panose="020B0604030504040204" pitchFamily="34" charset="0"/>
                 <a:ea typeface="Tahoma" panose="020B0604030504040204" pitchFamily="34" charset="0"/>
                 <a:cs typeface="Tahoma" panose="020B0604030504040204" pitchFamily="34" charset="0"/>
@@ -16234,7 +16239,7 @@
               <a:t>ob</a:t>
             </a:r>
             <a:r>
-              <a:rPr lang="ro-RO" sz="2400" dirty="0">
+              <a:rPr lang="ro-RO" dirty="0">
                 <a:latin typeface="Tahoma" panose="020B0604030504040204" pitchFamily="34" charset="0"/>
                 <a:ea typeface="Tahoma" panose="020B0604030504040204" pitchFamily="34" charset="0"/>
                 <a:cs typeface="Tahoma" panose="020B0604030504040204" pitchFamily="34" charset="0"/>
@@ -16243,18 +16248,18 @@
             </a:r>
           </a:p>
           <a:p>
-            <a:pPr marL="457200" lvl="1" indent="0" algn="just">
+            <a:pPr marL="0" indent="0" algn="just">
               <a:buNone/>
             </a:pPr>
             <a:r>
-              <a:rPr lang="ro-RO" sz="2400" dirty="0">
+              <a:rPr lang="ro-RO" dirty="0">
                 <a:latin typeface="Tahoma" panose="020B0604030504040204" pitchFamily="34" charset="0"/>
                 <a:ea typeface="Tahoma" panose="020B0604030504040204" pitchFamily="34" charset="0"/>
                 <a:cs typeface="Tahoma" panose="020B0604030504040204" pitchFamily="34" charset="0"/>
               </a:rPr>
               <a:t>	Performanțele algoritmulor SDFS, SDFS-Int și WDFS au fost foarte apropiate de limitele lor teoretice, în timp ce ADFS1 și ADFS2 au performat mult mai bine și mai rapid.</a:t>
             </a:r>
-            <a:endParaRPr lang="en-US" sz="2400" dirty="0">
+            <a:endParaRPr lang="en-US" dirty="0">
               <a:latin typeface="Tahoma" panose="020B0604030504040204" pitchFamily="34" charset="0"/>
               <a:ea typeface="Tahoma" panose="020B0604030504040204" pitchFamily="34" charset="0"/>
               <a:cs typeface="Tahoma" panose="020B0604030504040204" pitchFamily="34" charset="0"/>
@@ -16355,11 +16360,11 @@
           </a:bodyPr>
           <a:lstStyle/>
           <a:p>
-            <a:pPr marL="457200" lvl="1" indent="0">
+            <a:pPr marL="0" indent="0" algn="just">
               <a:buNone/>
             </a:pPr>
             <a:r>
-              <a:rPr lang="ro-RO" sz="2400" dirty="0">
+              <a:rPr lang="ro-RO" dirty="0">
                 <a:latin typeface="Tahoma" panose="020B0604030504040204" pitchFamily="34" charset="0"/>
                 <a:ea typeface="Tahoma" panose="020B0604030504040204" pitchFamily="34" charset="0"/>
                 <a:cs typeface="Tahoma" panose="020B0604030504040204" pitchFamily="34" charset="0"/>
@@ -16368,11 +16373,11 @@
             </a:r>
           </a:p>
           <a:p>
-            <a:pPr marL="457200" lvl="1" indent="0">
+            <a:pPr marL="0" indent="0" algn="just">
               <a:buNone/>
             </a:pPr>
             <a:r>
-              <a:rPr lang="ro-RO" sz="2400" dirty="0">
+              <a:rPr lang="ro-RO" dirty="0">
                 <a:latin typeface="Tahoma" panose="020B0604030504040204" pitchFamily="34" charset="0"/>
                 <a:ea typeface="Tahoma" panose="020B0604030504040204" pitchFamily="34" charset="0"/>
                 <a:cs typeface="Tahoma" panose="020B0604030504040204" pitchFamily="34" charset="0"/>
@@ -16381,18 +16386,18 @@
             </a:r>
           </a:p>
           <a:p>
-            <a:pPr marL="457200" lvl="1" indent="0">
+            <a:pPr marL="0" indent="0" algn="just">
               <a:buNone/>
             </a:pPr>
             <a:r>
-              <a:rPr lang="ro-RO" sz="2400" dirty="0">
+              <a:rPr lang="ro-RO" dirty="0">
                 <a:latin typeface="Tahoma" panose="020B0604030504040204" pitchFamily="34" charset="0"/>
                 <a:ea typeface="Tahoma" panose="020B0604030504040204" pitchFamily="34" charset="0"/>
                 <a:cs typeface="Tahoma" panose="020B0604030504040204" pitchFamily="34" charset="0"/>
               </a:rPr>
               <a:t>	</a:t>
             </a:r>
-            <a:endParaRPr lang="en-US" sz="2400" dirty="0">
+            <a:endParaRPr lang="en-US" dirty="0">
               <a:latin typeface="Tahoma" panose="020B0604030504040204" pitchFamily="34" charset="0"/>
               <a:ea typeface="Tahoma" panose="020B0604030504040204" pitchFamily="34" charset="0"/>
               <a:cs typeface="Tahoma" panose="020B0604030504040204" pitchFamily="34" charset="0"/>
@@ -16498,7 +16503,7 @@
           </a:bodyPr>
           <a:lstStyle/>
           <a:p>
-            <a:pPr marL="0" lvl="0" indent="0">
+            <a:pPr marL="0" lvl="0" indent="0" algn="just">
               <a:buNone/>
             </a:pPr>
             <a:r>
@@ -16511,7 +16516,7 @@
             </a:r>
           </a:p>
           <a:p>
-            <a:pPr marL="0" lvl="0" indent="0">
+            <a:pPr marL="0" lvl="0" indent="0" algn="just">
               <a:buNone/>
             </a:pPr>
             <a:r>
@@ -16524,7 +16529,7 @@
             </a:r>
           </a:p>
           <a:p>
-            <a:pPr marL="0" lvl="0" indent="0">
+            <a:pPr marL="0" lvl="0" indent="0" algn="just">
               <a:buNone/>
             </a:pPr>
             <a:r>
@@ -16537,7 +16542,7 @@
             </a:r>
           </a:p>
           <a:p>
-            <a:pPr marL="0" lvl="0" indent="0">
+            <a:pPr marL="0" lvl="0" indent="0" algn="just">
               <a:buNone/>
             </a:pPr>
             <a:r>
@@ -16649,7 +16654,7 @@
           </a:bodyPr>
           <a:lstStyle/>
           <a:p>
-            <a:pPr marL="0" lvl="0" indent="0">
+            <a:pPr marL="0" lvl="0" indent="0" algn="just">
               <a:buNone/>
             </a:pPr>
             <a:r>
@@ -16658,11 +16663,11 @@
                 <a:ea typeface="Tahoma" panose="020B0604030504040204" pitchFamily="34" charset="0"/>
                 <a:cs typeface="Tahoma" panose="020B0604030504040204" pitchFamily="34" charset="0"/>
               </a:rPr>
-              <a:t>	Cum până acum grafurile au fost generate aleatoriu, autorii au ales să testeze algoritmii și pe grafuri reale. Aici s-a observat că ADFS obține rezultate mai bune decât SFDS2.</a:t>
-            </a:r>
-          </a:p>
-          <a:p>
-            <a:pPr marL="0" lvl="0" indent="0">
+              <a:t>	Cum până acum grafurile au fost generate în mod aleatoriu, autorii au ales să testeze algoritmii și pe grafuri reale. Aici s-a observat că ADFS obține rezultate mai bune decât SFDS2.</a:t>
+            </a:r>
+          </a:p>
+          <a:p>
+            <a:pPr marL="0" lvl="0" indent="0" algn="just">
               <a:buNone/>
             </a:pPr>
             <a:r>
@@ -16675,7 +16680,7 @@
             </a:r>
           </a:p>
           <a:p>
-            <a:pPr marL="0" indent="0">
+            <a:pPr marL="0" indent="0" algn="just">
               <a:buNone/>
             </a:pPr>
             <a:r>
@@ -16809,21 +16814,8 @@
                 <a:ea typeface="Tahoma" panose="020B0604030504040204" pitchFamily="34" charset="0"/>
                 <a:cs typeface="Tahoma" panose="020B0604030504040204" pitchFamily="34" charset="0"/>
               </a:rPr>
-              <a:t>	În cele din urmă, pentru grafurile reale s-a propus </a:t>
-            </a:r>
-            <a:r>
-              <a:rPr lang="ro-RO">
-                <a:latin typeface="Tahoma" panose="020B0604030504040204" pitchFamily="34" charset="0"/>
-                <a:ea typeface="Tahoma" panose="020B0604030504040204" pitchFamily="34" charset="0"/>
-                <a:cs typeface="Tahoma" panose="020B0604030504040204" pitchFamily="34" charset="0"/>
-              </a:rPr>
-              <a:t>algoritmul SDFS3, care nu se apropie însă de performanțele algoritmilor existenți.</a:t>
-            </a:r>
-            <a:endParaRPr lang="ro-RO" dirty="0">
-              <a:latin typeface="Tahoma" panose="020B0604030504040204" pitchFamily="34" charset="0"/>
-              <a:ea typeface="Tahoma" panose="020B0604030504040204" pitchFamily="34" charset="0"/>
-              <a:cs typeface="Tahoma" panose="020B0604030504040204" pitchFamily="34" charset="0"/>
-            </a:endParaRPr>
+              <a:t>	În cele din urmă, pentru grafurile reale s-a propus algoritmul SDFS3, care nu se apropie însă de performanțele algoritmilor existenți.</a:t>
+            </a:r>
           </a:p>
         </p:txBody>
       </p:sp>
@@ -17069,10 +17061,17 @@
           <a:lstStyle/>
           <a:p>
             <a:r>
+              <a:rPr lang="en-US" dirty="0"/>
+              <a:t>Nota</a:t>
+            </a:r>
+            <a:r>
               <a:rPr lang="ro-RO" dirty="0"/>
-              <a:t>Preliminarii</a:t>
-            </a:r>
-            <a:endParaRPr lang="en-US" dirty="0"/>
+              <a:t>ț</a:t>
+            </a:r>
+            <a:r>
+              <a:rPr lang="en-US" dirty="0"/>
+              <a:t>ii</a:t>
+            </a:r>
           </a:p>
         </p:txBody>
       </p:sp>
@@ -17304,22 +17303,6 @@
               </a:rPr>
               <a:t>ângă a arborelui de partea dreaptă</a:t>
             </a:r>
-          </a:p>
-          <a:p>
-            <a:pPr lvl="1"/>
-            <a:endParaRPr lang="ro-RO" sz="2400" dirty="0">
-              <a:latin typeface="Tahoma" panose="020B0604030504040204" pitchFamily="34" charset="0"/>
-              <a:ea typeface="Tahoma" panose="020B0604030504040204" pitchFamily="34" charset="0"/>
-              <a:cs typeface="Tahoma" panose="020B0604030504040204" pitchFamily="34" charset="0"/>
-            </a:endParaRPr>
-          </a:p>
-          <a:p>
-            <a:pPr lvl="1"/>
-            <a:endParaRPr lang="ro-RO" sz="2400" dirty="0">
-              <a:latin typeface="Tahoma" panose="020B0604030504040204" pitchFamily="34" charset="0"/>
-              <a:ea typeface="Tahoma" panose="020B0604030504040204" pitchFamily="34" charset="0"/>
-              <a:cs typeface="Tahoma" panose="020B0604030504040204" pitchFamily="34" charset="0"/>
-            </a:endParaRPr>
           </a:p>
         </p:txBody>
       </p:sp>
@@ -17528,7 +17511,7 @@
                 <a:ea typeface="Tahoma" panose="020B0604030504040204" pitchFamily="34" charset="0"/>
                 <a:cs typeface="Tahoma" panose="020B0604030504040204" pitchFamily="34" charset="0"/>
               </a:rPr>
-              <a:t>Algoritmi pentru Grafuri Orientate Aciclice: FDFS</a:t>
+              <a:t>Algoritmi pentru Grafuri Orientate: FDFS</a:t>
             </a:r>
           </a:p>
           <a:p>
@@ -17644,6 +17627,7 @@
           <a:bodyPr/>
           <a:lstStyle/>
           <a:p>
+            <a:pPr algn="just"/>
             <a:r>
               <a:rPr lang="ro-RO" dirty="0">
                 <a:latin typeface="Tahoma" panose="020B0604030504040204" pitchFamily="34" charset="0"/>
@@ -17654,7 +17638,7 @@
             </a:r>
           </a:p>
           <a:p>
-            <a:pPr marL="457200" lvl="1" indent="0">
+            <a:pPr marL="457200" lvl="1" indent="0" algn="just">
               <a:buNone/>
             </a:pPr>
             <a:r>
@@ -17663,7 +17647,7 @@
                 <a:ea typeface="Tahoma" panose="020B0604030504040204" pitchFamily="34" charset="0"/>
                 <a:cs typeface="Tahoma" panose="020B0604030504040204" pitchFamily="34" charset="0"/>
               </a:rPr>
-              <a:t>Presupune reluarea algoritmului Dfs de la început, de fiecare dată cand o muchie nouă este adăugată.</a:t>
+              <a:t>Presupune reluarea algoritmului DFS de la început, de fiecare dată cand o muchie nouă este adăugată.</a:t>
             </a:r>
             <a:endParaRPr lang="en-US" dirty="0">
               <a:latin typeface="Tahoma" panose="020B0604030504040204" pitchFamily="34" charset="0"/>
@@ -17672,6 +17656,7 @@
             </a:endParaRPr>
           </a:p>
           <a:p>
+            <a:pPr algn="just"/>
             <a:r>
               <a:rPr lang="ro-RO" dirty="0">
                 <a:latin typeface="Tahoma" panose="020B0604030504040204" pitchFamily="34" charset="0"/>
@@ -17682,7 +17667,7 @@
             </a:r>
           </a:p>
           <a:p>
-            <a:pPr marL="457200" lvl="1" indent="0">
+            <a:pPr marL="457200" lvl="1" indent="0" algn="just">
               <a:buNone/>
             </a:pPr>
             <a:r>
@@ -17695,7 +17680,7 @@
             </a:r>
           </a:p>
           <a:p>
-            <a:pPr marL="457200" lvl="1" indent="0">
+            <a:pPr marL="457200" lvl="1" indent="0" algn="just">
               <a:buNone/>
             </a:pPr>
             <a:r>
@@ -17706,16 +17691,6 @@
               </a:rPr>
               <a:t>Obține performanțe mai bune decât SDFS.</a:t>
             </a:r>
-          </a:p>
-          <a:p>
-            <a:pPr marL="457200" lvl="1" indent="0">
-              <a:buNone/>
-            </a:pPr>
-            <a:endParaRPr lang="en-US" dirty="0">
-              <a:latin typeface="Tahoma" panose="020B0604030504040204" pitchFamily="34" charset="0"/>
-              <a:ea typeface="Tahoma" panose="020B0604030504040204" pitchFamily="34" charset="0"/>
-              <a:cs typeface="Tahoma" panose="020B0604030504040204" pitchFamily="34" charset="0"/>
-            </a:endParaRPr>
           </a:p>
         </p:txBody>
       </p:sp>
@@ -17774,7 +17749,7 @@
           <a:p>
             <a:r>
               <a:rPr lang="ro-RO" sz="5400" baseline="-25000" dirty="0"/>
-              <a:t>Algoritmi pentru grafuri orientate aciclice</a:t>
+              <a:t>Algoritmi pentru grafuri orientate</a:t>
             </a:r>
             <a:endParaRPr lang="en-US" sz="5400" baseline="-25000" dirty="0">
               <a:latin typeface="Rockwell" panose="02060603020205020403" pitchFamily="18" charset="0"/>
@@ -18468,6 +18443,7 @@
           </a:bodyPr>
           <a:lstStyle/>
           <a:p>
+            <a:pPr algn="just"/>
             <a:r>
               <a:rPr lang="ro-RO" dirty="0">
                 <a:latin typeface="Tahoma" panose="020B0604030504040204" pitchFamily="34" charset="0"/>
@@ -18478,7 +18454,7 @@
             </a:r>
           </a:p>
           <a:p>
-            <a:pPr marL="457200" lvl="1" indent="0">
+            <a:pPr marL="457200" lvl="1" indent="0" algn="just">
               <a:buNone/>
             </a:pPr>
             <a:r>
@@ -18491,7 +18467,7 @@
             </a:r>
           </a:p>
           <a:p>
-            <a:pPr lvl="2"/>
+            <a:pPr lvl="2" algn="just"/>
             <a:r>
               <a:rPr lang="ro-RO" dirty="0">
                 <a:latin typeface="Tahoma" panose="020B0604030504040204" pitchFamily="34" charset="0"/>
@@ -18502,18 +18478,50 @@
             </a:r>
           </a:p>
           <a:p>
-            <a:pPr lvl="2"/>
+            <a:pPr lvl="2" algn="just"/>
             <a:r>
               <a:rPr lang="ro-RO" dirty="0">
                 <a:latin typeface="Tahoma" panose="020B0604030504040204" pitchFamily="34" charset="0"/>
                 <a:ea typeface="Tahoma" panose="020B0604030504040204" pitchFamily="34" charset="0"/>
                 <a:cs typeface="Tahoma" panose="020B0604030504040204" pitchFamily="34" charset="0"/>
               </a:rPr>
-              <a:t>În caz contrar: Fie u și v copii ai lui w (x ∈ T(u) și y ∈ T(v)). ADFS va reconstrui T(v) atașându-l la muchia (x, y). Algoritmul va inversa path(y, v), convertind astfel majoritatea muchiilor de tip back-edge în muchii de tip cross-edge.</a:t>
-            </a:r>
-          </a:p>
-          <a:p>
-            <a:pPr lvl="2"/>
+              <a:t>În caz</a:t>
+            </a:r>
+            <a:r>
+              <a:rPr lang="en-US" dirty="0" err="1">
+                <a:latin typeface="Tahoma" panose="020B0604030504040204" pitchFamily="34" charset="0"/>
+                <a:ea typeface="Tahoma" panose="020B0604030504040204" pitchFamily="34" charset="0"/>
+                <a:cs typeface="Tahoma" panose="020B0604030504040204" pitchFamily="34" charset="0"/>
+              </a:rPr>
+              <a:t>ul</a:t>
+            </a:r>
+            <a:r>
+              <a:rPr lang="ro-RO" dirty="0">
+                <a:latin typeface="Tahoma" panose="020B0604030504040204" pitchFamily="34" charset="0"/>
+                <a:ea typeface="Tahoma" panose="020B0604030504040204" pitchFamily="34" charset="0"/>
+                <a:cs typeface="Tahoma" panose="020B0604030504040204" pitchFamily="34" charset="0"/>
+              </a:rPr>
+              <a:t> în care</a:t>
+            </a:r>
+            <a:r>
+              <a:rPr lang="en-US" dirty="0">
+                <a:latin typeface="Tahoma" panose="020B0604030504040204" pitchFamily="34" charset="0"/>
+                <a:ea typeface="Tahoma" panose="020B0604030504040204" pitchFamily="34" charset="0"/>
+                <a:cs typeface="Tahoma" panose="020B0604030504040204" pitchFamily="34" charset="0"/>
+              </a:rPr>
+              <a:t> nu</a:t>
+            </a:r>
+            <a:r>
+              <a:rPr lang="ro-RO" dirty="0">
+                <a:latin typeface="Tahoma" panose="020B0604030504040204" pitchFamily="34" charset="0"/>
+                <a:ea typeface="Tahoma" panose="020B0604030504040204" pitchFamily="34" charset="0"/>
+                <a:cs typeface="Tahoma" panose="020B0604030504040204" pitchFamily="34" charset="0"/>
+              </a:rPr>
+              <a:t> este back-edge : Fie u și v copii ai lui w (x ∈ T(u) și y ∈ T(v)). ADFS va reconstrui T(v) atașându-l la muchia (x, y). Algoritmul va inversa path(y, v), convertind astfel majoritatea muchiilor de tip back-edge în muchii de tip cross-edge.</a:t>
+            </a:r>
+          </a:p>
+          <a:p>
+            <a:pPr lvl="2" algn="just"/>
             <a:endParaRPr lang="ro-RO" dirty="0">
               <a:latin typeface="Tahoma" panose="020B0604030504040204" pitchFamily="34" charset="0"/>
               <a:ea typeface="Tahoma" panose="020B0604030504040204" pitchFamily="34" charset="0"/>
@@ -18521,27 +18529,17 @@
             </a:endParaRPr>
           </a:p>
           <a:p>
-            <a:pPr marL="0" indent="0">
+            <a:pPr marL="0" indent="0" algn="just">
               <a:buNone/>
             </a:pPr>
             <a:r>
-              <a:rPr lang="ro-RO" sz="2000" dirty="0">
+              <a:rPr lang="ro-RO" dirty="0">
                 <a:latin typeface="Tahoma" panose="020B0604030504040204" pitchFamily="34" charset="0"/>
                 <a:ea typeface="Tahoma" panose="020B0604030504040204" pitchFamily="34" charset="0"/>
                 <a:cs typeface="Tahoma" panose="020B0604030504040204" pitchFamily="34" charset="0"/>
               </a:rPr>
               <a:t>Singura diferență dintre ADFS1 și ADFS2 este ordinea în care sunt procesate muchiile de tipul cross-edge.</a:t>
             </a:r>
-          </a:p>
-          <a:p>
-            <a:pPr marL="0" indent="0">
-              <a:buNone/>
-            </a:pPr>
-            <a:endParaRPr lang="ro-RO" dirty="0">
-              <a:latin typeface="Tahoma" panose="020B0604030504040204" pitchFamily="34" charset="0"/>
-              <a:ea typeface="Tahoma" panose="020B0604030504040204" pitchFamily="34" charset="0"/>
-              <a:cs typeface="Tahoma" panose="020B0604030504040204" pitchFamily="34" charset="0"/>
-            </a:endParaRPr>
           </a:p>
         </p:txBody>
       </p:sp>
@@ -18636,6 +18634,7 @@
           </a:bodyPr>
           <a:lstStyle/>
           <a:p>
+            <a:pPr algn="just"/>
             <a:r>
               <a:rPr lang="ro-RO" dirty="0">
                 <a:latin typeface="Tahoma" panose="020B0604030504040204" pitchFamily="34" charset="0"/>
@@ -18646,7 +18645,7 @@
             </a:r>
           </a:p>
           <a:p>
-            <a:pPr marL="0" indent="0">
+            <a:pPr marL="0" indent="0" algn="just">
               <a:buNone/>
             </a:pPr>
             <a:r>
@@ -18659,7 +18658,7 @@
             </a:r>
           </a:p>
           <a:p>
-            <a:pPr marL="0" indent="0">
+            <a:pPr marL="0" indent="0" algn="just">
               <a:buNone/>
             </a:pPr>
             <a:r>
